--- a/Dokumente/Schneedetektion Plakat.pptx
+++ b/Dokumente/Schneedetektion Plakat.pptx
@@ -1748,7 +1748,7 @@
                 </a:solidFill>
                 <a:latin typeface="+mj-lt"/>
               </a:rPr>
-              <a:t>Funktionsweise</a:t>
+              <a:t>Algorithmus</a:t>
             </a:r>
           </a:p>
           <a:p>
@@ -1791,8 +1791,8 @@
         </p:nvSpPr>
         <p:spPr>
           <a:xfrm>
-            <a:off x="10667052" y="893032"/>
-            <a:ext cx="8845847" cy="1754326"/>
+            <a:off x="10667052" y="896767"/>
+            <a:ext cx="8845847" cy="5693866"/>
           </a:xfrm>
           <a:prstGeom prst="rect">
             <a:avLst/>
@@ -1819,7 +1819,7 @@
                 </a:solidFill>
                 <a:latin typeface="+mj-lt"/>
               </a:rPr>
-              <a:t>Datenerfassung</a:t>
+              <a:t>Datenaufbereitung</a:t>
             </a:r>
           </a:p>
           <a:p>
@@ -1849,8 +1849,44 @@
               <a:rPr lang="de-CH" altLang="de-DE" sz="3200" dirty="0">
                 <a:latin typeface="Lucida Sans" pitchFamily="34" charset="0"/>
               </a:rPr>
-              <a:t>Text &amp; Bild</a:t>
-            </a:r>
+              <a:t>Für den Aufbau einer Wissensbasis wurden über mehrere Winter Webcam-Bilder </a:t>
+            </a:r>
+            <a:r>
+              <a:rPr lang="de-CH" altLang="de-DE" sz="3200" dirty="0" err="1">
+                <a:latin typeface="Lucida Sans" pitchFamily="34" charset="0"/>
+              </a:rPr>
+              <a:t>gesam-melt</a:t>
+            </a:r>
+            <a:r>
+              <a:rPr lang="de-CH" altLang="de-DE" sz="3200" dirty="0">
+                <a:latin typeface="Lucida Sans" pitchFamily="34" charset="0"/>
+              </a:rPr>
+              <a:t>. Die Bilder wurden zu Kategorien (Schnee / kein Schnee) zugeordnet und auf Bildausschnitte reduziert.</a:t>
+            </a:r>
+          </a:p>
+          <a:p>
+            <a:pPr algn="just">
+              <a:buClr>
+                <a:srgbClr val="FAA500"/>
+              </a:buClr>
+              <a:buSzPct val="80000"/>
+              <a:defRPr/>
+            </a:pPr>
+            <a:r>
+              <a:rPr lang="de-CH" altLang="de-DE" sz="3200" dirty="0">
+                <a:latin typeface="Lucida Sans" pitchFamily="34" charset="0"/>
+              </a:rPr>
+              <a:t>Aus den Bildausschnitten konnten Merk-male wie Histogramm, Durchschnittsfarbe pro Farb-Kanal und Kontrast </a:t>
+            </a:r>
+            <a:r>
+              <a:rPr lang="de-CH" altLang="de-DE" sz="3200" dirty="0">
+                <a:latin typeface="Lucida Sans" pitchFamily="34" charset="0"/>
+              </a:rPr>
+              <a:t>extrahiert und in einer Datenbank gespeichert werden.</a:t>
+            </a:r>
+            <a:endParaRPr lang="de-CH" altLang="de-DE" sz="3200" dirty="0">
+              <a:latin typeface="Lucida Sans" pitchFamily="34" charset="0"/>
+            </a:endParaRPr>
           </a:p>
         </p:txBody>
       </p:sp>
@@ -1862,7 +1898,7 @@
         </p:nvSpPr>
         <p:spPr>
           <a:xfrm>
-            <a:off x="6369804" y="14022066"/>
+            <a:off x="6369804" y="14006568"/>
             <a:ext cx="3374820" cy="2585323"/>
           </a:xfrm>
           <a:prstGeom prst="rect">
@@ -1877,70 +1913,22 @@
           <a:lstStyle/>
           <a:p>
             <a:r>
-              <a:rPr lang="en-US" sz="2700" i="1" dirty="0"/>
-              <a:t>Webcam Bild der Autobahn A1 </a:t>
-            </a:r>
-            <a:r>
-              <a:rPr lang="en-US" sz="2700" i="1" dirty="0" err="1"/>
-              <a:t>bei</a:t>
-            </a:r>
-            <a:r>
-              <a:rPr lang="en-US" sz="2700" i="1" dirty="0"/>
-              <a:t> </a:t>
-            </a:r>
-            <a:r>
-              <a:rPr lang="en-US" sz="2700" i="1" dirty="0" err="1"/>
+              <a:rPr lang="de-CH" sz="2700" i="1" dirty="0"/>
+              <a:t>Webcam Bild der Autobahn A1 bei </a:t>
+            </a:r>
+            <a:r>
+              <a:rPr lang="de-CH" sz="2700" i="1" dirty="0" err="1"/>
               <a:t>Grauholz</a:t>
             </a:r>
             <a:r>
-              <a:rPr lang="en-US" sz="2700" i="1" dirty="0"/>
-              <a:t> </a:t>
-            </a:r>
-            <a:r>
-              <a:rPr lang="en-US" sz="2700" i="1" dirty="0" err="1"/>
-              <a:t>mit</a:t>
-            </a:r>
-            <a:r>
-              <a:rPr lang="en-US" sz="2700" i="1" dirty="0"/>
-              <a:t> </a:t>
-            </a:r>
-            <a:r>
-              <a:rPr lang="en-US" sz="2700" i="1" dirty="0" err="1"/>
-              <a:t>teilweise</a:t>
-            </a:r>
-            <a:r>
-              <a:rPr lang="en-US" sz="2700" i="1" dirty="0"/>
-              <a:t> </a:t>
-            </a:r>
-            <a:r>
-              <a:rPr lang="en-US" sz="2700" i="1" dirty="0" err="1"/>
-              <a:t>Schneebedecktem</a:t>
-            </a:r>
-            <a:r>
-              <a:rPr lang="en-US" sz="2700" i="1" dirty="0"/>
-              <a:t> </a:t>
-            </a:r>
-            <a:r>
-              <a:rPr lang="en-US" sz="2700" i="1" dirty="0" err="1"/>
-              <a:t>Pannenstreifen</a:t>
-            </a:r>
-            <a:r>
-              <a:rPr lang="en-US" sz="2700" i="1" dirty="0"/>
-              <a:t> am</a:t>
+              <a:rPr lang="de-CH" sz="2700" i="1" dirty="0"/>
+              <a:t> mit teilweise Schneebedecktem Pannenstreifen am</a:t>
             </a:r>
           </a:p>
           <a:p>
             <a:r>
-              <a:rPr lang="en-US" sz="2700" i="1" dirty="0"/>
-              <a:t>2. </a:t>
-            </a:r>
-            <a:r>
-              <a:rPr lang="en-US" sz="2700" i="1" dirty="0" err="1"/>
-              <a:t>Februar</a:t>
-            </a:r>
-            <a:r>
-              <a:rPr lang="en-US" sz="2700" i="1" dirty="0"/>
-              <a:t> 2015</a:t>
+              <a:rPr lang="de-CH" sz="2700" i="1" dirty="0"/>
+              <a:t>2. Februar 2015</a:t>
             </a:r>
           </a:p>
         </p:txBody>
@@ -1961,7 +1949,7 @@
         </p:blipFill>
         <p:spPr>
           <a:xfrm>
-            <a:off x="898775" y="13162867"/>
+            <a:off x="898775" y="13147369"/>
             <a:ext cx="5260105" cy="4303722"/>
           </a:xfrm>
           <a:prstGeom prst="rect">
@@ -1969,6 +1957,173 @@
           </a:prstGeom>
         </p:spPr>
       </p:pic>
+      <p:pic>
+        <p:nvPicPr>
+          <p:cNvPr id="13" name="Picture 12"/>
+          <p:cNvPicPr>
+            <a:picLocks noChangeAspect="1"/>
+          </p:cNvPicPr>
+          <p:nvPr/>
+        </p:nvPicPr>
+        <p:blipFill>
+          <a:blip r:embed="rId3"/>
+          <a:stretch>
+            <a:fillRect/>
+          </a:stretch>
+        </p:blipFill>
+        <p:spPr>
+          <a:xfrm>
+            <a:off x="15896511" y="6874249"/>
+            <a:ext cx="3616388" cy="3478620"/>
+          </a:xfrm>
+          <a:prstGeom prst="rect">
+            <a:avLst/>
+          </a:prstGeom>
+        </p:spPr>
+      </p:pic>
+      <p:pic>
+        <p:nvPicPr>
+          <p:cNvPr id="16" name="Picture 15"/>
+          <p:cNvPicPr>
+            <a:picLocks noChangeAspect="1"/>
+          </p:cNvPicPr>
+          <p:nvPr/>
+        </p:nvPicPr>
+        <p:blipFill>
+          <a:blip r:embed="rId4"/>
+          <a:stretch>
+            <a:fillRect/>
+          </a:stretch>
+        </p:blipFill>
+        <p:spPr>
+          <a:xfrm>
+            <a:off x="10667051" y="6874248"/>
+            <a:ext cx="4687557" cy="3478620"/>
+          </a:xfrm>
+          <a:prstGeom prst="rect">
+            <a:avLst/>
+          </a:prstGeom>
+        </p:spPr>
+      </p:pic>
+      <p:sp>
+        <p:nvSpPr>
+          <p:cNvPr id="19" name="TextBox 18"/>
+          <p:cNvSpPr txBox="1"/>
+          <p:nvPr/>
+        </p:nvSpPr>
+        <p:spPr>
+          <a:xfrm>
+            <a:off x="10667051" y="10562046"/>
+            <a:ext cx="8845848" cy="507831"/>
+          </a:xfrm>
+          <a:prstGeom prst="rect">
+            <a:avLst/>
+          </a:prstGeom>
+          <a:noFill/>
+        </p:spPr>
+        <p:txBody>
+          <a:bodyPr wrap="square" rtlCol="0">
+            <a:spAutoFit/>
+          </a:bodyPr>
+          <a:lstStyle/>
+          <a:p>
+            <a:pPr algn="ctr"/>
+            <a:r>
+              <a:rPr lang="de-CH" sz="2700" i="1" dirty="0"/>
+              <a:t>Statistische Auswertung des gelb markierten Bildausschnitts</a:t>
+            </a:r>
+          </a:p>
+        </p:txBody>
+      </p:sp>
+      <p:sp>
+        <p:nvSpPr>
+          <p:cNvPr id="20" name="Textfeld 9"/>
+          <p:cNvSpPr txBox="1"/>
+          <p:nvPr/>
+        </p:nvSpPr>
+        <p:spPr>
+          <a:xfrm>
+            <a:off x="10667051" y="11358616"/>
+            <a:ext cx="8845847" cy="6001643"/>
+          </a:xfrm>
+          <a:prstGeom prst="rect">
+            <a:avLst/>
+          </a:prstGeom>
+          <a:noFill/>
+        </p:spPr>
+        <p:txBody>
+          <a:bodyPr wrap="square" rtlCol="0">
+            <a:spAutoFit/>
+          </a:bodyPr>
+          <a:lstStyle/>
+          <a:p>
+            <a:pPr algn="just">
+              <a:buClr>
+                <a:srgbClr val="FAA500"/>
+              </a:buClr>
+              <a:buSzPct val="80000"/>
+              <a:defRPr/>
+            </a:pPr>
+            <a:r>
+              <a:rPr lang="de-CH" altLang="de-DE" sz="3200" dirty="0">
+                <a:latin typeface="Lucida Sans" pitchFamily="34" charset="0"/>
+              </a:rPr>
+              <a:t>Diese Datenbasis stellte die Grundlage um Referenzwerte für verschiedene Tages-zeiten, Sonnenstände und Wetterlagen (Sonnig / Niederschlag / Nebel) zu </a:t>
+            </a:r>
+            <a:r>
+              <a:rPr lang="de-CH" altLang="de-DE" sz="3200" dirty="0" err="1">
+                <a:latin typeface="Lucida Sans" pitchFamily="34" charset="0"/>
+              </a:rPr>
+              <a:t>gewin-nen</a:t>
+            </a:r>
+            <a:r>
+              <a:rPr lang="de-CH" altLang="de-DE" sz="3200" dirty="0">
+                <a:latin typeface="Lucida Sans" pitchFamily="34" charset="0"/>
+              </a:rPr>
+              <a:t> jeweils für die Kategorien ‘Schnee’ und ‘kein Schnee’.</a:t>
+            </a:r>
+          </a:p>
+          <a:p>
+            <a:pPr algn="just">
+              <a:buClr>
+                <a:srgbClr val="FAA500"/>
+              </a:buClr>
+              <a:buSzPct val="80000"/>
+              <a:defRPr/>
+            </a:pPr>
+            <a:r>
+              <a:rPr lang="de-CH" altLang="de-DE" sz="3200" dirty="0">
+                <a:latin typeface="Lucida Sans" pitchFamily="34" charset="0"/>
+              </a:rPr>
+              <a:t>Die Idee ist, dass ein Distanzmass </a:t>
+            </a:r>
+            <a:r>
+              <a:rPr lang="de-CH" altLang="de-DE" sz="3200" dirty="0" err="1">
+                <a:latin typeface="Lucida Sans" pitchFamily="34" charset="0"/>
+              </a:rPr>
+              <a:t>Anwen</a:t>
+            </a:r>
+            <a:r>
+              <a:rPr lang="de-CH" altLang="de-DE" sz="3200" dirty="0">
+                <a:latin typeface="Lucida Sans" pitchFamily="34" charset="0"/>
+              </a:rPr>
+              <a:t>-dung findet, mit dem ausgesagt werden kann ob ein Bild näher an Referenzwerten der einen  Kategorie (Schnee) ist als an der anderen (kein Schnee), ausgehend von den </a:t>
+            </a:r>
+            <a:r>
+              <a:rPr lang="de-CH" altLang="de-DE" sz="3200">
+                <a:latin typeface="Lucida Sans" pitchFamily="34" charset="0"/>
+              </a:rPr>
+              <a:t>extrahierten statistischen </a:t>
+            </a:r>
+            <a:r>
+              <a:rPr lang="de-CH" altLang="de-DE" sz="3200" dirty="0">
+                <a:latin typeface="Lucida Sans" pitchFamily="34" charset="0"/>
+              </a:rPr>
+              <a:t>Merkmalen.</a:t>
+            </a:r>
+          </a:p>
+        </p:txBody>
+      </p:sp>
     </p:spTree>
     <p:extLst>
       <p:ext uri="{BB962C8B-B14F-4D97-AF65-F5344CB8AC3E}">

--- a/Dokumente/Schneedetektion Plakat.pptx
+++ b/Dokumente/Schneedetektion Plakat.pptx
@@ -1707,7 +1707,7 @@
               <a:rPr lang="de-CH" altLang="de-DE" sz="3200" dirty="0">
                 <a:latin typeface="Lucida Sans" pitchFamily="34" charset="0"/>
               </a:rPr>
-              <a:t> beobachten und Methoden der Bildverarbeitung soll automatisch bestimmt werden, ob neben der Strasse Schnee liegt oder nicht.</a:t>
+              <a:t> beobachten, und Methoden der Bildverarbeitung soll automatisch bestimmt werden, ob neben der Strasse Schnee liegt oder nicht.</a:t>
             </a:r>
           </a:p>
         </p:txBody>
@@ -1721,7 +1721,7 @@
         <p:spPr>
           <a:xfrm>
             <a:off x="20356484" y="875399"/>
-            <a:ext cx="8845847" cy="1754326"/>
+            <a:ext cx="8845847" cy="769441"/>
           </a:xfrm>
           <a:prstGeom prst="rect">
             <a:avLst/>
@@ -1749,36 +1749,6 @@
                 <a:latin typeface="+mj-lt"/>
               </a:rPr>
               <a:t>Algorithmus</a:t>
-            </a:r>
-          </a:p>
-          <a:p>
-            <a:pPr algn="just">
-              <a:buClr>
-                <a:srgbClr val="FAA500"/>
-              </a:buClr>
-              <a:buSzPct val="80000"/>
-              <a:defRPr/>
-            </a:pPr>
-            <a:endParaRPr lang="de-CH" altLang="de-DE" sz="3200" dirty="0">
-              <a:solidFill>
-                <a:srgbClr val="697D91"/>
-              </a:solidFill>
-              <a:latin typeface="Lucida Sans" pitchFamily="34" charset="0"/>
-            </a:endParaRPr>
-          </a:p>
-          <a:p>
-            <a:pPr algn="just">
-              <a:buClr>
-                <a:srgbClr val="FAA500"/>
-              </a:buClr>
-              <a:buSzPct val="80000"/>
-              <a:defRPr/>
-            </a:pPr>
-            <a:r>
-              <a:rPr lang="de-CH" altLang="de-DE" sz="3200" dirty="0">
-                <a:latin typeface="Lucida Sans" pitchFamily="34" charset="0"/>
-              </a:rPr>
-              <a:t>Text &amp; Bild</a:t>
             </a:r>
           </a:p>
         </p:txBody>
@@ -2107,19 +2077,457 @@
               <a:rPr lang="de-CH" altLang="de-DE" sz="3200" dirty="0">
                 <a:latin typeface="Lucida Sans" pitchFamily="34" charset="0"/>
               </a:rPr>
-              <a:t>-dung findet, mit dem ausgesagt werden kann ob ein Bild näher an Referenzwerten der einen  Kategorie (Schnee) ist als an der anderen (kein Schnee), ausgehend von den </a:t>
-            </a:r>
-            <a:r>
-              <a:rPr lang="de-CH" altLang="de-DE" sz="3200">
-                <a:latin typeface="Lucida Sans" pitchFamily="34" charset="0"/>
-              </a:rPr>
-              <a:t>extrahierten statistischen </a:t>
+              <a:t>-dung findet,</a:t>
             </a:r>
             <a:r>
               <a:rPr lang="de-CH" altLang="de-DE" sz="3200" dirty="0">
                 <a:latin typeface="Lucida Sans" pitchFamily="34" charset="0"/>
               </a:rPr>
-              <a:t>Merkmalen.</a:t>
+              <a:t> ausgehend von den extra-</a:t>
+            </a:r>
+            <a:r>
+              <a:rPr lang="de-CH" altLang="de-DE" sz="3200" dirty="0" err="1">
+                <a:latin typeface="Lucida Sans" pitchFamily="34" charset="0"/>
+              </a:rPr>
+              <a:t>hierten</a:t>
+            </a:r>
+            <a:r>
+              <a:rPr lang="de-CH" altLang="de-DE" sz="3200" dirty="0">
+                <a:latin typeface="Lucida Sans" pitchFamily="34" charset="0"/>
+              </a:rPr>
+              <a:t> statistischen Merkmalen,</a:t>
+            </a:r>
+            <a:r>
+              <a:rPr lang="de-CH" altLang="de-DE" sz="3200" dirty="0">
+                <a:latin typeface="Lucida Sans" pitchFamily="34" charset="0"/>
+              </a:rPr>
+              <a:t> mit dem ausgesagt werden kann, ob ein Bild näher an Referenzwerten der einen  Kategorie als an der anderen liegt.</a:t>
+            </a:r>
+          </a:p>
+        </p:txBody>
+      </p:sp>
+      <p:pic>
+        <p:nvPicPr>
+          <p:cNvPr id="21" name="Picture 20"/>
+          <p:cNvPicPr>
+            <a:picLocks noChangeAspect="1"/>
+          </p:cNvPicPr>
+          <p:nvPr/>
+        </p:nvPicPr>
+        <p:blipFill>
+          <a:blip r:embed="rId5"/>
+          <a:stretch>
+            <a:fillRect/>
+          </a:stretch>
+        </p:blipFill>
+        <p:spPr>
+          <a:xfrm>
+            <a:off x="20356484" y="1933579"/>
+            <a:ext cx="1676400" cy="1371600"/>
+          </a:xfrm>
+          <a:prstGeom prst="rect">
+            <a:avLst/>
+          </a:prstGeom>
+        </p:spPr>
+      </p:pic>
+      <p:pic>
+        <p:nvPicPr>
+          <p:cNvPr id="22" name="Picture 21"/>
+          <p:cNvPicPr>
+            <a:picLocks noChangeAspect="1"/>
+          </p:cNvPicPr>
+          <p:nvPr/>
+        </p:nvPicPr>
+        <p:blipFill>
+          <a:blip r:embed="rId6"/>
+          <a:stretch>
+            <a:fillRect/>
+          </a:stretch>
+        </p:blipFill>
+        <p:spPr>
+          <a:xfrm>
+            <a:off x="20356484" y="3593918"/>
+            <a:ext cx="1676400" cy="1371600"/>
+          </a:xfrm>
+          <a:prstGeom prst="rect">
+            <a:avLst/>
+          </a:prstGeom>
+        </p:spPr>
+      </p:pic>
+      <p:pic>
+        <p:nvPicPr>
+          <p:cNvPr id="23" name="Picture 22"/>
+          <p:cNvPicPr>
+            <a:picLocks noChangeAspect="1"/>
+          </p:cNvPicPr>
+          <p:nvPr/>
+        </p:nvPicPr>
+        <p:blipFill>
+          <a:blip r:embed="rId7"/>
+          <a:stretch>
+            <a:fillRect/>
+          </a:stretch>
+        </p:blipFill>
+        <p:spPr>
+          <a:xfrm>
+            <a:off x="20356484" y="5254257"/>
+            <a:ext cx="1676400" cy="1371600"/>
+          </a:xfrm>
+          <a:prstGeom prst="rect">
+            <a:avLst/>
+          </a:prstGeom>
+        </p:spPr>
+      </p:pic>
+      <p:pic>
+        <p:nvPicPr>
+          <p:cNvPr id="24" name="Picture 23"/>
+          <p:cNvPicPr>
+            <a:picLocks noChangeAspect="1"/>
+          </p:cNvPicPr>
+          <p:nvPr/>
+        </p:nvPicPr>
+        <p:blipFill>
+          <a:blip r:embed="rId8"/>
+          <a:stretch>
+            <a:fillRect/>
+          </a:stretch>
+        </p:blipFill>
+        <p:spPr>
+          <a:xfrm>
+            <a:off x="23942731" y="2128063"/>
+            <a:ext cx="5259600" cy="4303309"/>
+          </a:xfrm>
+          <a:prstGeom prst="rect">
+            <a:avLst/>
+          </a:prstGeom>
+        </p:spPr>
+      </p:pic>
+      <p:cxnSp>
+        <p:nvCxnSpPr>
+          <p:cNvPr id="26" name="Straight Arrow Connector 25"/>
+          <p:cNvCxnSpPr/>
+          <p:nvPr/>
+        </p:nvCxnSpPr>
+        <p:spPr>
+          <a:xfrm>
+            <a:off x="22186900" y="2650067"/>
+            <a:ext cx="1625600" cy="270904"/>
+          </a:xfrm>
+          <a:prstGeom prst="straightConnector1">
+            <a:avLst/>
+          </a:prstGeom>
+          <a:ln w="63500">
+            <a:solidFill>
+              <a:srgbClr val="697D91"/>
+            </a:solidFill>
+            <a:tailEnd type="triangle"/>
+          </a:ln>
+          <a:effectLst/>
+        </p:spPr>
+        <p:style>
+          <a:lnRef idx="2">
+            <a:schemeClr val="accent1"/>
+          </a:lnRef>
+          <a:fillRef idx="0">
+            <a:schemeClr val="accent1"/>
+          </a:fillRef>
+          <a:effectRef idx="1">
+            <a:schemeClr val="accent1"/>
+          </a:effectRef>
+          <a:fontRef idx="minor">
+            <a:schemeClr val="tx1"/>
+          </a:fontRef>
+        </p:style>
+      </p:cxnSp>
+      <p:cxnSp>
+        <p:nvCxnSpPr>
+          <p:cNvPr id="29" name="Straight Arrow Connector 28"/>
+          <p:cNvCxnSpPr/>
+          <p:nvPr/>
+        </p:nvCxnSpPr>
+        <p:spPr>
+          <a:xfrm flipV="1">
+            <a:off x="22241933" y="5551040"/>
+            <a:ext cx="1570567" cy="354799"/>
+          </a:xfrm>
+          <a:prstGeom prst="straightConnector1">
+            <a:avLst/>
+          </a:prstGeom>
+          <a:ln w="63500">
+            <a:solidFill>
+              <a:srgbClr val="697D91"/>
+            </a:solidFill>
+            <a:tailEnd type="triangle"/>
+          </a:ln>
+          <a:effectLst/>
+        </p:spPr>
+        <p:style>
+          <a:lnRef idx="2">
+            <a:schemeClr val="accent1"/>
+          </a:lnRef>
+          <a:fillRef idx="0">
+            <a:schemeClr val="accent1"/>
+          </a:fillRef>
+          <a:effectRef idx="1">
+            <a:schemeClr val="accent1"/>
+          </a:effectRef>
+          <a:fontRef idx="minor">
+            <a:schemeClr val="tx1"/>
+          </a:fontRef>
+        </p:style>
+      </p:cxnSp>
+      <p:cxnSp>
+        <p:nvCxnSpPr>
+          <p:cNvPr id="31" name="Straight Arrow Connector 30"/>
+          <p:cNvCxnSpPr/>
+          <p:nvPr/>
+        </p:nvCxnSpPr>
+        <p:spPr>
+          <a:xfrm>
+            <a:off x="22163115" y="4255485"/>
+            <a:ext cx="1649385" cy="24232"/>
+          </a:xfrm>
+          <a:prstGeom prst="straightConnector1">
+            <a:avLst/>
+          </a:prstGeom>
+          <a:ln w="63500">
+            <a:solidFill>
+              <a:srgbClr val="697D91"/>
+            </a:solidFill>
+            <a:tailEnd type="triangle"/>
+          </a:ln>
+          <a:effectLst/>
+        </p:spPr>
+        <p:style>
+          <a:lnRef idx="2">
+            <a:schemeClr val="accent1"/>
+          </a:lnRef>
+          <a:fillRef idx="0">
+            <a:schemeClr val="accent1"/>
+          </a:fillRef>
+          <a:effectRef idx="1">
+            <a:schemeClr val="accent1"/>
+          </a:effectRef>
+          <a:fontRef idx="minor">
+            <a:schemeClr val="tx1"/>
+          </a:fontRef>
+        </p:style>
+      </p:cxnSp>
+      <p:sp>
+        <p:nvSpPr>
+          <p:cNvPr id="35" name="Textfeld 9"/>
+          <p:cNvSpPr txBox="1"/>
+          <p:nvPr/>
+        </p:nvSpPr>
+        <p:spPr>
+          <a:xfrm>
+            <a:off x="20356484" y="7649930"/>
+            <a:ext cx="8845847" cy="5016758"/>
+          </a:xfrm>
+          <a:prstGeom prst="rect">
+            <a:avLst/>
+          </a:prstGeom>
+          <a:noFill/>
+        </p:spPr>
+        <p:txBody>
+          <a:bodyPr wrap="square" rtlCol="0">
+            <a:spAutoFit/>
+          </a:bodyPr>
+          <a:lstStyle/>
+          <a:p>
+            <a:pPr marL="514350" indent="-514350" algn="just">
+              <a:buClr>
+                <a:srgbClr val="FAA500"/>
+              </a:buClr>
+              <a:buSzPct val="80000"/>
+              <a:buFont typeface="+mj-lt"/>
+              <a:buAutoNum type="arabicPeriod"/>
+              <a:defRPr/>
+            </a:pPr>
+            <a:r>
+              <a:rPr lang="de-CH" altLang="de-DE" sz="3200" dirty="0">
+                <a:latin typeface="Lucida Sans" pitchFamily="34" charset="0"/>
+              </a:rPr>
+              <a:t>In kurzer Reihenfolge werden Bilder von der Webcam heruntergeladen und </a:t>
+            </a:r>
+            <a:r>
+              <a:rPr lang="de-CH" altLang="de-DE" sz="3200" dirty="0" err="1">
+                <a:latin typeface="Lucida Sans" pitchFamily="34" charset="0"/>
+              </a:rPr>
+              <a:t>kom-biniert</a:t>
+            </a:r>
+            <a:r>
+              <a:rPr lang="de-CH" altLang="de-DE" sz="3200" dirty="0">
+                <a:latin typeface="Lucida Sans" pitchFamily="34" charset="0"/>
+              </a:rPr>
+              <a:t>. So ist sichergestellt, dass keine Autos auf dem Bild sind, welche die Farbe des betrachteten Bildausschnitts verfälschen könnten</a:t>
+            </a:r>
+          </a:p>
+          <a:p>
+            <a:pPr marL="514350" indent="-514350" algn="just">
+              <a:buClr>
+                <a:srgbClr val="FAA500"/>
+              </a:buClr>
+              <a:buSzPct val="80000"/>
+              <a:buFont typeface="+mj-lt"/>
+              <a:buAutoNum type="arabicPeriod"/>
+              <a:defRPr/>
+            </a:pPr>
+            <a:r>
+              <a:rPr lang="de-CH" altLang="de-DE" sz="3200" dirty="0">
+                <a:latin typeface="Lucida Sans" pitchFamily="34" charset="0"/>
+              </a:rPr>
+              <a:t>Es folgt die statistische Auswertung aller Bildausschnitte</a:t>
+            </a:r>
+          </a:p>
+          <a:p>
+            <a:pPr marL="514350" indent="-514350" algn="just">
+              <a:buClr>
+                <a:srgbClr val="FAA500"/>
+              </a:buClr>
+              <a:buSzPct val="80000"/>
+              <a:buFont typeface="+mj-lt"/>
+              <a:buAutoNum type="arabicPeriod"/>
+              <a:defRPr/>
+            </a:pPr>
+            <a:r>
+              <a:rPr lang="de-CH" altLang="de-DE" sz="3200" dirty="0">
+                <a:latin typeface="Lucida Sans" pitchFamily="34" charset="0"/>
+              </a:rPr>
+              <a:t>Schliesslich die Suche nach den nächsten Nachbaren unter allen Referenzwerten</a:t>
+            </a:r>
+          </a:p>
+        </p:txBody>
+      </p:sp>
+      <p:pic>
+        <p:nvPicPr>
+          <p:cNvPr id="40" name="Picture 39"/>
+          <p:cNvPicPr>
+            <a:picLocks noChangeAspect="1"/>
+          </p:cNvPicPr>
+          <p:nvPr/>
+        </p:nvPicPr>
+        <p:blipFill>
+          <a:blip r:embed="rId9"/>
+          <a:stretch>
+            <a:fillRect/>
+          </a:stretch>
+        </p:blipFill>
+        <p:spPr>
+          <a:xfrm>
+            <a:off x="20356480" y="12923655"/>
+            <a:ext cx="8845847" cy="2919682"/>
+          </a:xfrm>
+          <a:prstGeom prst="rect">
+            <a:avLst/>
+          </a:prstGeom>
+        </p:spPr>
+      </p:pic>
+      <p:sp>
+        <p:nvSpPr>
+          <p:cNvPr id="41" name="TextBox 40"/>
+          <p:cNvSpPr txBox="1"/>
+          <p:nvPr/>
+        </p:nvSpPr>
+        <p:spPr>
+          <a:xfrm>
+            <a:off x="20356481" y="6874248"/>
+            <a:ext cx="8845848" cy="507831"/>
+          </a:xfrm>
+          <a:prstGeom prst="rect">
+            <a:avLst/>
+          </a:prstGeom>
+          <a:noFill/>
+        </p:spPr>
+        <p:txBody>
+          <a:bodyPr wrap="square" rtlCol="0">
+            <a:spAutoFit/>
+          </a:bodyPr>
+          <a:lstStyle/>
+          <a:p>
+            <a:pPr algn="ctr"/>
+            <a:r>
+              <a:rPr lang="de-CH" sz="2700" i="1" dirty="0"/>
+              <a:t>Bereinigung von Autos aus dem Bild </a:t>
+            </a:r>
+          </a:p>
+        </p:txBody>
+      </p:sp>
+      <p:sp>
+        <p:nvSpPr>
+          <p:cNvPr id="45" name="TextBox 44"/>
+          <p:cNvSpPr txBox="1"/>
+          <p:nvPr/>
+        </p:nvSpPr>
+        <p:spPr>
+          <a:xfrm>
+            <a:off x="20356479" y="16123392"/>
+            <a:ext cx="8845848" cy="1754326"/>
+          </a:xfrm>
+          <a:prstGeom prst="rect">
+            <a:avLst/>
+          </a:prstGeom>
+          <a:noFill/>
+        </p:spPr>
+        <p:txBody>
+          <a:bodyPr wrap="square" rtlCol="0">
+            <a:spAutoFit/>
+          </a:bodyPr>
+          <a:lstStyle/>
+          <a:p>
+            <a:pPr marL="457200" indent="-457200">
+              <a:buClr>
+                <a:srgbClr val="F048F0"/>
+              </a:buClr>
+              <a:buSzPct val="125000"/>
+              <a:buFont typeface="Arial" panose="020B0604020202020204" pitchFamily="34" charset="0"/>
+              <a:buChar char="•"/>
+            </a:pPr>
+            <a:r>
+              <a:rPr lang="de-CH" sz="2700" i="1" dirty="0"/>
+              <a:t>Magenta Punkte	Referenzwerte ohne Schnee</a:t>
+            </a:r>
+          </a:p>
+          <a:p>
+            <a:pPr marL="457200" indent="-457200">
+              <a:buClr>
+                <a:srgbClr val="4848F0"/>
+              </a:buClr>
+              <a:buSzPct val="125000"/>
+              <a:buFont typeface="Arial" panose="020B0604020202020204" pitchFamily="34" charset="0"/>
+              <a:buChar char="•"/>
+            </a:pPr>
+            <a:r>
+              <a:rPr lang="de-CH" sz="2700" i="1" dirty="0"/>
+              <a:t>Blaue Punkte	Referenzwerte mit Schnee</a:t>
+            </a:r>
+          </a:p>
+          <a:p>
+            <a:pPr marL="457200" indent="-457200">
+              <a:buClr>
+                <a:srgbClr val="7AF048"/>
+              </a:buClr>
+              <a:buSzPct val="125000"/>
+              <a:buFont typeface="Arial" panose="020B0604020202020204" pitchFamily="34" charset="0"/>
+              <a:buChar char="•"/>
+            </a:pPr>
+            <a:r>
+              <a:rPr lang="de-CH" sz="2700" i="1" dirty="0"/>
+              <a:t>Grüner Punkt	Neues Bild unbekannter Klasse</a:t>
+            </a:r>
+          </a:p>
+          <a:p>
+            <a:pPr marL="457200" indent="-457200">
+              <a:buClr>
+                <a:srgbClr val="F0F06F"/>
+              </a:buClr>
+              <a:buSzPct val="125000"/>
+              <a:buFont typeface="Arial" panose="020B0604020202020204" pitchFamily="34" charset="0"/>
+              <a:buChar char="•"/>
+            </a:pPr>
+            <a:r>
+              <a:rPr lang="de-CH" sz="2700" i="1" dirty="0"/>
+              <a:t>Gelb		Nachbarschaft des neuen Bildes</a:t>
             </a:r>
           </a:p>
         </p:txBody>

--- a/Dokumente/Schneedetektion Plakat.pptx
+++ b/Dokumente/Schneedetektion Plakat.pptx
@@ -971,13 +971,13 @@
           <p:nvPr>
             <p:extLst>
               <p:ext uri="{D42A27DB-BD31-4B8C-83A1-F6EECF244321}">
-                <p14:modId xmlns:p14="http://schemas.microsoft.com/office/powerpoint/2010/main" val="1850426795"/>
+                <p14:modId xmlns:p14="http://schemas.microsoft.com/office/powerpoint/2010/main" val="2973002294"/>
               </p:ext>
             </p:extLst>
           </p:nvPr>
         </p:nvGraphicFramePr>
         <p:xfrm>
-          <a:off x="22903067" y="18584601"/>
+          <a:off x="22971583" y="18633229"/>
           <a:ext cx="7201896" cy="1737360"/>
         </p:xfrm>
         <a:graphic>
@@ -1846,17 +1846,8 @@
               <a:rPr lang="de-CH" altLang="de-DE" sz="3200" dirty="0">
                 <a:latin typeface="Lucida Sans" pitchFamily="34" charset="0"/>
               </a:rPr>
-              <a:t>Aus den Bildausschnitten konnten Merk-male wie Histogramm, Durchschnittsfarbe pro Farb-Kanal und Kontrast </a:t>
-            </a:r>
-            <a:r>
-              <a:rPr lang="de-CH" altLang="de-DE" sz="3200" dirty="0">
-                <a:latin typeface="Lucida Sans" pitchFamily="34" charset="0"/>
-              </a:rPr>
-              <a:t>extrahiert und in einer Datenbank gespeichert werden.</a:t>
-            </a:r>
-            <a:endParaRPr lang="de-CH" altLang="de-DE" sz="3200" dirty="0">
-              <a:latin typeface="Lucida Sans" pitchFamily="34" charset="0"/>
-            </a:endParaRPr>
+              <a:t>Aus den Bildausschnitten konnten Merk-male wie Histogramm, Durchschnittsfarbe pro Farb-Kanal und Kontrast extrahiert und in einer Datenbank gespeichert werden.</a:t>
+            </a:r>
           </a:p>
         </p:txBody>
       </p:sp>
@@ -2077,31 +2068,19 @@
               <a:rPr lang="de-CH" altLang="de-DE" sz="3200" dirty="0">
                 <a:latin typeface="Lucida Sans" pitchFamily="34" charset="0"/>
               </a:rPr>
-              <a:t>-dung findet,</a:t>
+              <a:t>-dung findet, ausgehend von den extra-</a:t>
+            </a:r>
+            <a:r>
+              <a:rPr lang="de-CH" altLang="de-DE" sz="3200" dirty="0" err="1">
+                <a:latin typeface="Lucida Sans" pitchFamily="34" charset="0"/>
+              </a:rPr>
+              <a:t>hierten</a:t>
             </a:r>
             <a:r>
               <a:rPr lang="de-CH" altLang="de-DE" sz="3200" dirty="0">
                 <a:latin typeface="Lucida Sans" pitchFamily="34" charset="0"/>
               </a:rPr>
-              <a:t> ausgehend von den extra-</a:t>
-            </a:r>
-            <a:r>
-              <a:rPr lang="de-CH" altLang="de-DE" sz="3200" dirty="0" err="1">
-                <a:latin typeface="Lucida Sans" pitchFamily="34" charset="0"/>
-              </a:rPr>
-              <a:t>hierten</a:t>
-            </a:r>
-            <a:r>
-              <a:rPr lang="de-CH" altLang="de-DE" sz="3200" dirty="0">
-                <a:latin typeface="Lucida Sans" pitchFamily="34" charset="0"/>
-              </a:rPr>
-              <a:t> statistischen Merkmalen,</a:t>
-            </a:r>
-            <a:r>
-              <a:rPr lang="de-CH" altLang="de-DE" sz="3200" dirty="0">
-                <a:latin typeface="Lucida Sans" pitchFamily="34" charset="0"/>
-              </a:rPr>
-              <a:t> mit dem ausgesagt werden kann, ob ein Bild näher an Referenzwerten der einen  Kategorie als an der anderen liegt.</a:t>
+              <a:t> statistischen Merkmalen, mit dem ausgesagt werden kann, ob ein Bild näher an Referenzwerten der einen  Kategorie als an der anderen liegt.</a:t>
             </a:r>
           </a:p>
         </p:txBody>
@@ -2210,8 +2189,8 @@
         </p:nvCxnSpPr>
         <p:spPr>
           <a:xfrm>
-            <a:off x="22186900" y="2650067"/>
-            <a:ext cx="1625600" cy="270904"/>
+            <a:off x="22163115" y="2601746"/>
+            <a:ext cx="1649385" cy="358185"/>
           </a:xfrm>
           <a:prstGeom prst="straightConnector1">
             <a:avLst/>
@@ -2247,8 +2226,8 @@
         </p:nvCxnSpPr>
         <p:spPr>
           <a:xfrm flipV="1">
-            <a:off x="22241933" y="5551040"/>
-            <a:ext cx="1570567" cy="354799"/>
+            <a:off x="22161599" y="5537030"/>
+            <a:ext cx="1648800" cy="360000"/>
           </a:xfrm>
           <a:prstGeom prst="straightConnector1">
             <a:avLst/>
@@ -2285,7 +2264,7 @@
         <p:spPr>
           <a:xfrm>
             <a:off x="22163115" y="4255485"/>
-            <a:ext cx="1649385" cy="24232"/>
+            <a:ext cx="1619752" cy="0"/>
           </a:xfrm>
           <a:prstGeom prst="straightConnector1">
             <a:avLst/>
@@ -2321,7 +2300,7 @@
         </p:nvSpPr>
         <p:spPr>
           <a:xfrm>
-            <a:off x="20356484" y="7649930"/>
+            <a:off x="20356479" y="7370491"/>
             <a:ext cx="8845847" cy="5016758"/>
           </a:xfrm>
           <a:prstGeom prst="rect">
@@ -2415,7 +2394,7 @@
         </p:blipFill>
         <p:spPr>
           <a:xfrm>
-            <a:off x="20356480" y="12923655"/>
+            <a:off x="20356484" y="12496827"/>
             <a:ext cx="8845847" cy="2919682"/>
           </a:xfrm>
           <a:prstGeom prst="rect">
@@ -2431,7 +2410,7 @@
         </p:nvSpPr>
         <p:spPr>
           <a:xfrm>
-            <a:off x="20356481" y="6874248"/>
+            <a:off x="20356481" y="6736156"/>
             <a:ext cx="8845848" cy="507831"/>
           </a:xfrm>
           <a:prstGeom prst="rect">
@@ -2461,7 +2440,7 @@
         </p:nvSpPr>
         <p:spPr>
           <a:xfrm>
-            <a:off x="20356479" y="16123392"/>
+            <a:off x="20356478" y="15694172"/>
             <a:ext cx="8845848" cy="1754326"/>
           </a:xfrm>
           <a:prstGeom prst="rect">
@@ -2806,10 +2785,33 @@
 </file>
 
 <file path=customXml/item1.xml><?xml version="1.0" encoding="utf-8"?>
-<LongProperties xmlns="http://schemas.microsoft.com/office/2006/metadata/longProperties"/>
+<p:properties xmlns:p="http://schemas.microsoft.com/office/2006/metadata/properties" xmlns:xsi="http://www.w3.org/2001/XMLSchema-instance" xmlns:pc="http://schemas.microsoft.com/office/infopath/2007/PartnerControls">
+  <documentManagement>
+    <BfhIntranetDepartmentText xmlns="63c724b1-652e-424f-8d99-4ee509067280">
+      <Terms xmlns="http://schemas.microsoft.com/office/infopath/2007/PartnerControls">
+        <TermInfo xmlns="http://schemas.microsoft.com/office/infopath/2007/PartnerControls">
+          <TermName xmlns="http://schemas.microsoft.com/office/infopath/2007/PartnerControls">Vorlage</TermName>
+          <TermId xmlns="http://schemas.microsoft.com/office/infopath/2007/PartnerControls">de1a6d3c-ac6a-4b34-8edd-308eb81066db</TermId>
+        </TermInfo>
+      </Terms>
+    </BfhIntranetDepartmentText>
+    <TaxCatchAll xmlns="2551ef7e-3b29-44d1-a8ad-ef34c26bfc60">
+      <Value>241</Value>
+    </TaxCatchAll>
+  </documentManagement>
+</p:properties>
 </file>
 
 <file path=customXml/item2.xml><?xml version="1.0" encoding="utf-8"?>
+<?mso-contentType ?>
+<FormTemplates xmlns="http://schemas.microsoft.com/sharepoint/v3/contenttype/forms">
+  <Display>DocumentLibraryForm</Display>
+  <Edit>DocumentLibraryForm</Edit>
+  <New>DocumentLibraryForm</New>
+</FormTemplates>
+</file>
+
+<file path=customXml/item3.xml><?xml version="1.0" encoding="utf-8"?>
 <ct:contentTypeSchema xmlns:ct="http://schemas.microsoft.com/office/2006/metadata/contentType" xmlns:ma="http://schemas.microsoft.com/office/2006/metadata/properties/metaAttributes" ct:_="" ma:_="" ma:contentTypeName="BFH Document" ma:contentTypeID="0x0101009127C3B567804923A8661E062BBD8EF500562C9D82744B284A86093F1D9B579BDC" ma:contentTypeVersion="2" ma:contentTypeDescription="Ein neues Dokument erstellen." ma:contentTypeScope="" ma:versionID="9c45b5bf27c78835ceac1d8ed0ad849b">
   <xsd:schema xmlns:xsd="http://www.w3.org/2001/XMLSchema" xmlns:xs="http://www.w3.org/2001/XMLSchema" xmlns:p="http://schemas.microsoft.com/office/2006/metadata/properties" xmlns:ns2="63c724b1-652e-424f-8d99-4ee509067280" xmlns:ns3="2551ef7e-3b29-44d1-a8ad-ef34c26bfc60" targetNamespace="http://schemas.microsoft.com/office/2006/metadata/properties" ma:root="true" ma:fieldsID="77ddedd9f4909d73cfb737d3d691d0f9" ns2:_="" ns3:_="">
     <xsd:import namespace="63c724b1-652e-424f-8d99-4ee509067280"/>
@@ -2954,42 +2956,36 @@
 </ct:contentTypeSchema>
 </file>
 
-<file path=customXml/item3.xml><?xml version="1.0" encoding="utf-8"?>
-<?mso-contentType ?>
-<FormTemplates xmlns="http://schemas.microsoft.com/sharepoint/v3/contenttype/forms">
-  <Display>DocumentLibraryForm</Display>
-  <Edit>DocumentLibraryForm</Edit>
-  <New>DocumentLibraryForm</New>
-</FormTemplates>
-</file>
-
 <file path=customXml/item4.xml><?xml version="1.0" encoding="utf-8"?>
-<p:properties xmlns:p="http://schemas.microsoft.com/office/2006/metadata/properties" xmlns:xsi="http://www.w3.org/2001/XMLSchema-instance" xmlns:pc="http://schemas.microsoft.com/office/infopath/2007/PartnerControls">
-  <documentManagement>
-    <BfhIntranetDepartmentText xmlns="63c724b1-652e-424f-8d99-4ee509067280">
-      <Terms xmlns="http://schemas.microsoft.com/office/infopath/2007/PartnerControls">
-        <TermInfo xmlns="http://schemas.microsoft.com/office/infopath/2007/PartnerControls">
-          <TermName xmlns="http://schemas.microsoft.com/office/infopath/2007/PartnerControls">Vorlage</TermName>
-          <TermId xmlns="http://schemas.microsoft.com/office/infopath/2007/PartnerControls">de1a6d3c-ac6a-4b34-8edd-308eb81066db</TermId>
-        </TermInfo>
-      </Terms>
-    </BfhIntranetDepartmentText>
-    <TaxCatchAll xmlns="2551ef7e-3b29-44d1-a8ad-ef34c26bfc60">
-      <Value>241</Value>
-    </TaxCatchAll>
-  </documentManagement>
-</p:properties>
+<LongProperties xmlns="http://schemas.microsoft.com/office/2006/metadata/longProperties"/>
 </file>
 
 <file path=customXml/itemProps1.xml><?xml version="1.0" encoding="utf-8"?>
-<ds:datastoreItem xmlns:ds="http://schemas.openxmlformats.org/officeDocument/2006/customXml" ds:itemID="{34ACECAE-8DDC-4218-ADDE-80828E100BF5}">
+<ds:datastoreItem xmlns:ds="http://schemas.openxmlformats.org/officeDocument/2006/customXml" ds:itemID="{12310AE4-98C2-4A3E-BE75-5A8AB8823A32}">
   <ds:schemaRefs>
-    <ds:schemaRef ds:uri="http://schemas.microsoft.com/office/2006/metadata/longProperties"/>
+    <ds:schemaRef ds:uri="http://www.w3.org/XML/1998/namespace"/>
+    <ds:schemaRef ds:uri="http://purl.org/dc/terms/"/>
+    <ds:schemaRef ds:uri="http://schemas.microsoft.com/office/infopath/2007/PartnerControls"/>
+    <ds:schemaRef ds:uri="http://schemas.microsoft.com/office/2006/metadata/properties"/>
+    <ds:schemaRef ds:uri="http://purl.org/dc/elements/1.1/"/>
+    <ds:schemaRef ds:uri="http://schemas.openxmlformats.org/package/2006/metadata/core-properties"/>
+    <ds:schemaRef ds:uri="http://schemas.microsoft.com/office/2006/documentManagement/types"/>
+    <ds:schemaRef ds:uri="2551ef7e-3b29-44d1-a8ad-ef34c26bfc60"/>
+    <ds:schemaRef ds:uri="63c724b1-652e-424f-8d99-4ee509067280"/>
+    <ds:schemaRef ds:uri="http://purl.org/dc/dcmitype/"/>
   </ds:schemaRefs>
 </ds:datastoreItem>
 </file>
 
 <file path=customXml/itemProps2.xml><?xml version="1.0" encoding="utf-8"?>
+<ds:datastoreItem xmlns:ds="http://schemas.openxmlformats.org/officeDocument/2006/customXml" ds:itemID="{47870AFC-B140-4E73-B0E2-054A74E7EB25}">
+  <ds:schemaRefs>
+    <ds:schemaRef ds:uri="http://schemas.microsoft.com/sharepoint/v3/contenttype/forms"/>
+  </ds:schemaRefs>
+</ds:datastoreItem>
+</file>
+
+<file path=customXml/itemProps3.xml><?xml version="1.0" encoding="utf-8"?>
 <ds:datastoreItem xmlns:ds="http://schemas.openxmlformats.org/officeDocument/2006/customXml" ds:itemID="{064F56C1-3E03-4158-81FF-45AFD11405FB}">
   <ds:schemaRefs>
     <ds:schemaRef ds:uri="http://schemas.microsoft.com/office/2006/metadata/contentType"/>
@@ -3008,27 +3004,10 @@
 </ds:datastoreItem>
 </file>
 
-<file path=customXml/itemProps3.xml><?xml version="1.0" encoding="utf-8"?>
-<ds:datastoreItem xmlns:ds="http://schemas.openxmlformats.org/officeDocument/2006/customXml" ds:itemID="{47870AFC-B140-4E73-B0E2-054A74E7EB25}">
+<file path=customXml/itemProps4.xml><?xml version="1.0" encoding="utf-8"?>
+<ds:datastoreItem xmlns:ds="http://schemas.openxmlformats.org/officeDocument/2006/customXml" ds:itemID="{34ACECAE-8DDC-4218-ADDE-80828E100BF5}">
   <ds:schemaRefs>
-    <ds:schemaRef ds:uri="http://schemas.microsoft.com/sharepoint/v3/contenttype/forms"/>
-  </ds:schemaRefs>
-</ds:datastoreItem>
-</file>
-
-<file path=customXml/itemProps4.xml><?xml version="1.0" encoding="utf-8"?>
-<ds:datastoreItem xmlns:ds="http://schemas.openxmlformats.org/officeDocument/2006/customXml" ds:itemID="{12310AE4-98C2-4A3E-BE75-5A8AB8823A32}">
-  <ds:schemaRefs>
-    <ds:schemaRef ds:uri="http://www.w3.org/XML/1998/namespace"/>
-    <ds:schemaRef ds:uri="http://purl.org/dc/terms/"/>
-    <ds:schemaRef ds:uri="http://schemas.microsoft.com/office/infopath/2007/PartnerControls"/>
-    <ds:schemaRef ds:uri="http://schemas.microsoft.com/office/2006/metadata/properties"/>
-    <ds:schemaRef ds:uri="http://purl.org/dc/elements/1.1/"/>
-    <ds:schemaRef ds:uri="http://schemas.openxmlformats.org/package/2006/metadata/core-properties"/>
-    <ds:schemaRef ds:uri="http://schemas.microsoft.com/office/2006/documentManagement/types"/>
-    <ds:schemaRef ds:uri="2551ef7e-3b29-44d1-a8ad-ef34c26bfc60"/>
-    <ds:schemaRef ds:uri="63c724b1-652e-424f-8d99-4ee509067280"/>
-    <ds:schemaRef ds:uri="http://purl.org/dc/dcmitype/"/>
+    <ds:schemaRef ds:uri="http://schemas.microsoft.com/office/2006/metadata/longProperties"/>
   </ds:schemaRefs>
 </ds:datastoreItem>
 </file>